--- a/Assignments_Quizzes/Guitar Lessons/Week 1.pptx
+++ b/Assignments_Quizzes/Guitar Lessons/Week 1.pptx
@@ -12,7 +12,8 @@
     <p:sldId id="260" r:id="rId6"/>
     <p:sldId id="261" r:id="rId7"/>
     <p:sldId id="262" r:id="rId8"/>
-    <p:sldId id="263" r:id="rId9"/>
+    <p:sldId id="264" r:id="rId9"/>
+    <p:sldId id="263" r:id="rId10"/>
   </p:sldIdLst>
   <p:sldSz cx="9144000" cy="6858000" type="screen4x3"/>
   <p:notesSz cx="6858000" cy="9144000"/>
@@ -111,6 +112,22 @@
       </a:defRPr>
     </a:lvl9pPr>
   </p:defaultTextStyle>
+  <p:extLst>
+    <p:ext uri="{EFAFB233-063F-42B5-8137-9DF3F51BA10A}">
+      <p15:sldGuideLst xmlns:p15="http://schemas.microsoft.com/office/powerpoint/2012/main">
+        <p15:guide id="1" orient="horz" pos="2160">
+          <p15:clr>
+            <a:srgbClr val="A4A3A4"/>
+          </p15:clr>
+        </p15:guide>
+        <p15:guide id="2" pos="2880">
+          <p15:clr>
+            <a:srgbClr val="A4A3A4"/>
+          </p15:clr>
+        </p15:guide>
+      </p15:sldGuideLst>
+    </p:ext>
+  </p:extLst>
 </p:presentation>
 </file>
 
@@ -174,7 +191,7 @@
             <a:fld id="{2233D26B-DFC2-4248-8ED0-AD3E108CBDD7}" type="datetime1">
               <a:rPr lang="en-US" smtClean="0"/>
               <a:pPr/>
-              <a:t>2/5/18</a:t>
+              <a:t>2/6/2018</a:t>
             </a:fld>
             <a:endParaRPr lang="en-US"/>
           </a:p>
@@ -335,7 +352,7 @@
           </a:lstStyle>
           <a:p>
             <a:r>
-              <a:rPr lang="en-US" smtClean="0"/>
+              <a:rPr lang="en-US"/>
               <a:t>Click to edit Master subtitle style</a:t>
             </a:r>
             <a:endParaRPr lang="en-US" dirty="0"/>
@@ -367,7 +384,7 @@
           </a:lstStyle>
           <a:p>
             <a:r>
-              <a:rPr lang="en-US" smtClean="0"/>
+              <a:rPr lang="en-US"/>
               <a:t>Click to edit Master title style</a:t>
             </a:r>
             <a:endParaRPr lang="en-US" dirty="0"/>
@@ -415,7 +432,7 @@
           <a:lstStyle/>
           <a:p>
             <a:r>
-              <a:rPr lang="en-US" smtClean="0"/>
+              <a:rPr lang="en-US"/>
               <a:t>Click to edit Master title style</a:t>
             </a:r>
             <a:endParaRPr lang="en-US" dirty="0"/>
@@ -439,38 +456,37 @@
           <a:p>
             <a:pPr lvl="0"/>
             <a:r>
-              <a:rPr lang="en-US" smtClean="0"/>
+              <a:rPr lang="en-US"/>
               <a:t>Click to edit Master text styles</a:t>
             </a:r>
           </a:p>
           <a:p>
             <a:pPr lvl="1"/>
             <a:r>
-              <a:rPr lang="en-US" smtClean="0"/>
+              <a:rPr lang="en-US"/>
               <a:t>Second level</a:t>
             </a:r>
           </a:p>
           <a:p>
             <a:pPr lvl="2"/>
             <a:r>
-              <a:rPr lang="en-US" smtClean="0"/>
+              <a:rPr lang="en-US"/>
               <a:t>Third level</a:t>
             </a:r>
           </a:p>
           <a:p>
             <a:pPr lvl="3"/>
             <a:r>
-              <a:rPr lang="en-US" smtClean="0"/>
+              <a:rPr lang="en-US"/>
               <a:t>Fourth level</a:t>
             </a:r>
           </a:p>
           <a:p>
             <a:pPr lvl="4"/>
             <a:r>
-              <a:rPr lang="en-US" smtClean="0"/>
+              <a:rPr lang="en-US"/>
               <a:t>Fifth level</a:t>
             </a:r>
-            <a:endParaRPr lang="en-US"/>
           </a:p>
         </p:txBody>
       </p:sp>
@@ -492,7 +508,7 @@
             <a:fld id="{E694C003-38E8-486A-9BFD-47E55D87241C}" type="datetime1">
               <a:rPr lang="en-US" smtClean="0"/>
               <a:pPr/>
-              <a:t>2/5/18</a:t>
+              <a:t>2/6/2018</a:t>
             </a:fld>
             <a:endParaRPr lang="en-US"/>
           </a:p>
@@ -587,7 +603,7 @@
           <a:lstStyle/>
           <a:p>
             <a:r>
-              <a:rPr lang="en-US" smtClean="0"/>
+              <a:rPr lang="en-US"/>
               <a:t>Click to edit Master title style</a:t>
             </a:r>
             <a:endParaRPr lang="en-US" dirty="0"/>
@@ -616,38 +632,37 @@
           <a:p>
             <a:pPr lvl="0"/>
             <a:r>
-              <a:rPr lang="en-US" smtClean="0"/>
+              <a:rPr lang="en-US"/>
               <a:t>Click to edit Master text styles</a:t>
             </a:r>
           </a:p>
           <a:p>
             <a:pPr lvl="1"/>
             <a:r>
-              <a:rPr lang="en-US" smtClean="0"/>
+              <a:rPr lang="en-US"/>
               <a:t>Second level</a:t>
             </a:r>
           </a:p>
           <a:p>
             <a:pPr lvl="2"/>
             <a:r>
-              <a:rPr lang="en-US" smtClean="0"/>
+              <a:rPr lang="en-US"/>
               <a:t>Third level</a:t>
             </a:r>
           </a:p>
           <a:p>
             <a:pPr lvl="3"/>
             <a:r>
-              <a:rPr lang="en-US" smtClean="0"/>
+              <a:rPr lang="en-US"/>
               <a:t>Fourth level</a:t>
             </a:r>
           </a:p>
           <a:p>
             <a:pPr lvl="4"/>
             <a:r>
-              <a:rPr lang="en-US" smtClean="0"/>
+              <a:rPr lang="en-US"/>
               <a:t>Fifth level</a:t>
             </a:r>
-            <a:endParaRPr lang="en-US"/>
           </a:p>
         </p:txBody>
       </p:sp>
@@ -669,7 +684,7 @@
             <a:fld id="{E059EAA3-934B-41DB-B3B1-806F4BE5CC37}" type="datetime1">
               <a:rPr lang="en-US" smtClean="0"/>
               <a:pPr/>
-              <a:t>2/5/18</a:t>
+              <a:t>2/6/2018</a:t>
             </a:fld>
             <a:endParaRPr lang="en-US"/>
           </a:p>
@@ -764,7 +779,7 @@
           <a:lstStyle/>
           <a:p>
             <a:r>
-              <a:rPr lang="en-US" smtClean="0"/>
+              <a:rPr lang="en-US"/>
               <a:t>Click to edit Master title style</a:t>
             </a:r>
             <a:endParaRPr lang="en-US" dirty="0"/>
@@ -789,7 +804,7 @@
             <a:fld id="{8F97F932-D99A-4087-BFB1-EA42FAFC8D2C}" type="datetime1">
               <a:rPr lang="en-US" smtClean="0"/>
               <a:pPr/>
-              <a:t>2/5/18</a:t>
+              <a:t>2/6/2018</a:t>
             </a:fld>
             <a:endParaRPr lang="en-US"/>
           </a:p>
@@ -860,35 +875,35 @@
           <a:p>
             <a:pPr lvl="0"/>
             <a:r>
-              <a:rPr lang="en-US" smtClean="0"/>
+              <a:rPr lang="en-US"/>
               <a:t>Click to edit Master text styles</a:t>
             </a:r>
           </a:p>
           <a:p>
             <a:pPr lvl="1"/>
             <a:r>
-              <a:rPr lang="en-US" smtClean="0"/>
+              <a:rPr lang="en-US"/>
               <a:t>Second level</a:t>
             </a:r>
           </a:p>
           <a:p>
             <a:pPr lvl="2"/>
             <a:r>
-              <a:rPr lang="en-US" smtClean="0"/>
+              <a:rPr lang="en-US"/>
               <a:t>Third level</a:t>
             </a:r>
           </a:p>
           <a:p>
             <a:pPr lvl="3"/>
             <a:r>
-              <a:rPr lang="en-US" smtClean="0"/>
+              <a:rPr lang="en-US"/>
               <a:t>Fourth level</a:t>
             </a:r>
           </a:p>
           <a:p>
             <a:pPr lvl="4"/>
             <a:r>
-              <a:rPr lang="en-US" smtClean="0"/>
+              <a:rPr lang="en-US"/>
               <a:t>Fifth level</a:t>
             </a:r>
             <a:endParaRPr lang="en-US" dirty="0"/>
@@ -945,7 +960,7 @@
           </a:lstStyle>
           <a:p>
             <a:r>
-              <a:rPr lang="en-US" smtClean="0"/>
+              <a:rPr lang="en-US"/>
               <a:t>Click to edit Master title style</a:t>
             </a:r>
             <a:endParaRPr lang="en-US" dirty="0"/>
@@ -1065,7 +1080,7 @@
           <a:p>
             <a:pPr lvl="0"/>
             <a:r>
-              <a:rPr lang="en-US" smtClean="0"/>
+              <a:rPr lang="en-US"/>
               <a:t>Click to edit Master text styles</a:t>
             </a:r>
           </a:p>
@@ -1089,7 +1104,7 @@
             <a:fld id="{79C96367-2F2B-4F6E-ACF4-15FA13738E10}" type="datetime1">
               <a:rPr lang="en-US" smtClean="0"/>
               <a:pPr/>
-              <a:t>2/5/18</a:t>
+              <a:t>2/6/2018</a:t>
             </a:fld>
             <a:endParaRPr lang="en-US"/>
           </a:p>
@@ -1221,38 +1236,38 @@
           <a:p>
             <a:pPr lvl="0"/>
             <a:r>
-              <a:rPr lang="en-US" smtClean="0"/>
+              <a:rPr lang="en-US"/>
               <a:t>Click to edit Master text styles</a:t>
             </a:r>
           </a:p>
           <a:p>
             <a:pPr lvl="1"/>
             <a:r>
-              <a:rPr lang="en-US" smtClean="0"/>
+              <a:rPr lang="en-US"/>
               <a:t>Second level</a:t>
             </a:r>
           </a:p>
           <a:p>
             <a:pPr lvl="2"/>
             <a:r>
-              <a:rPr lang="en-US" smtClean="0"/>
+              <a:rPr lang="en-US"/>
               <a:t>Third level</a:t>
             </a:r>
           </a:p>
           <a:p>
             <a:pPr lvl="3"/>
             <a:r>
-              <a:rPr lang="en-US" smtClean="0"/>
+              <a:rPr lang="en-US"/>
               <a:t>Fourth level</a:t>
             </a:r>
           </a:p>
           <a:p>
             <a:pPr lvl="4"/>
             <a:r>
-              <a:rPr lang="en-US" smtClean="0"/>
+              <a:rPr lang="en-US"/>
               <a:t>Fifth level</a:t>
             </a:r>
-            <a:endParaRPr lang="en-US" dirty="0" smtClean="0"/>
+            <a:endParaRPr lang="en-US" dirty="0"/>
           </a:p>
         </p:txBody>
       </p:sp>
@@ -1303,38 +1318,38 @@
           <a:p>
             <a:pPr lvl="0"/>
             <a:r>
-              <a:rPr lang="en-US" smtClean="0"/>
+              <a:rPr lang="en-US"/>
               <a:t>Click to edit Master text styles</a:t>
             </a:r>
           </a:p>
           <a:p>
             <a:pPr lvl="1"/>
             <a:r>
-              <a:rPr lang="en-US" smtClean="0"/>
+              <a:rPr lang="en-US"/>
               <a:t>Second level</a:t>
             </a:r>
           </a:p>
           <a:p>
             <a:pPr lvl="2"/>
             <a:r>
-              <a:rPr lang="en-US" smtClean="0"/>
+              <a:rPr lang="en-US"/>
               <a:t>Third level</a:t>
             </a:r>
           </a:p>
           <a:p>
             <a:pPr lvl="3"/>
             <a:r>
-              <a:rPr lang="en-US" smtClean="0"/>
+              <a:rPr lang="en-US"/>
               <a:t>Fourth level</a:t>
             </a:r>
           </a:p>
           <a:p>
             <a:pPr lvl="4"/>
             <a:r>
-              <a:rPr lang="en-US" smtClean="0"/>
+              <a:rPr lang="en-US"/>
               <a:t>Fifth level</a:t>
             </a:r>
-            <a:endParaRPr lang="en-US" dirty="0" smtClean="0"/>
+            <a:endParaRPr lang="en-US" dirty="0"/>
           </a:p>
         </p:txBody>
       </p:sp>
@@ -1359,7 +1374,7 @@
           <a:lstStyle/>
           <a:p>
             <a:r>
-              <a:rPr lang="en-US" smtClean="0"/>
+              <a:rPr lang="en-US"/>
               <a:t>Click to edit Master title style</a:t>
             </a:r>
             <a:endParaRPr lang="en-US" dirty="0"/>
@@ -1384,7 +1399,7 @@
             <a:fld id="{8FB3498D-21C7-408B-8EF5-5B55DEF0BFD5}" type="datetime1">
               <a:rPr lang="en-US" smtClean="0"/>
               <a:pPr/>
-              <a:t>2/5/18</a:t>
+              <a:t>2/6/2018</a:t>
             </a:fld>
             <a:endParaRPr lang="en-US"/>
           </a:p>
@@ -1505,38 +1520,38 @@
           <a:p>
             <a:pPr lvl="0"/>
             <a:r>
-              <a:rPr lang="en-US" smtClean="0"/>
+              <a:rPr lang="en-US"/>
               <a:t>Click to edit Master text styles</a:t>
             </a:r>
           </a:p>
           <a:p>
             <a:pPr lvl="1"/>
             <a:r>
-              <a:rPr lang="en-US" smtClean="0"/>
+              <a:rPr lang="en-US"/>
               <a:t>Second level</a:t>
             </a:r>
           </a:p>
           <a:p>
             <a:pPr lvl="2"/>
             <a:r>
-              <a:rPr lang="en-US" smtClean="0"/>
+              <a:rPr lang="en-US"/>
               <a:t>Third level</a:t>
             </a:r>
           </a:p>
           <a:p>
             <a:pPr lvl="3"/>
             <a:r>
-              <a:rPr lang="en-US" smtClean="0"/>
+              <a:rPr lang="en-US"/>
               <a:t>Fourth level</a:t>
             </a:r>
           </a:p>
           <a:p>
             <a:pPr lvl="4"/>
             <a:r>
-              <a:rPr lang="en-US" smtClean="0"/>
+              <a:rPr lang="en-US"/>
               <a:t>Fifth level</a:t>
             </a:r>
-            <a:endParaRPr lang="en-US" dirty="0" smtClean="0"/>
+            <a:endParaRPr lang="en-US" dirty="0"/>
           </a:p>
         </p:txBody>
       </p:sp>
@@ -1587,38 +1602,38 @@
           <a:p>
             <a:pPr lvl="0"/>
             <a:r>
-              <a:rPr lang="en-US" smtClean="0"/>
+              <a:rPr lang="en-US"/>
               <a:t>Click to edit Master text styles</a:t>
             </a:r>
           </a:p>
           <a:p>
             <a:pPr lvl="1"/>
             <a:r>
-              <a:rPr lang="en-US" smtClean="0"/>
+              <a:rPr lang="en-US"/>
               <a:t>Second level</a:t>
             </a:r>
           </a:p>
           <a:p>
             <a:pPr lvl="2"/>
             <a:r>
-              <a:rPr lang="en-US" smtClean="0"/>
+              <a:rPr lang="en-US"/>
               <a:t>Third level</a:t>
             </a:r>
           </a:p>
           <a:p>
             <a:pPr lvl="3"/>
             <a:r>
-              <a:rPr lang="en-US" smtClean="0"/>
+              <a:rPr lang="en-US"/>
               <a:t>Fourth level</a:t>
             </a:r>
           </a:p>
           <a:p>
             <a:pPr lvl="4"/>
             <a:r>
-              <a:rPr lang="en-US" smtClean="0"/>
+              <a:rPr lang="en-US"/>
               <a:t>Fifth level</a:t>
             </a:r>
-            <a:endParaRPr lang="en-US" dirty="0" smtClean="0"/>
+            <a:endParaRPr lang="en-US" dirty="0"/>
           </a:p>
         </p:txBody>
       </p:sp>
@@ -1647,7 +1662,7 @@
           </a:lstStyle>
           <a:p>
             <a:r>
-              <a:rPr lang="en-US" smtClean="0"/>
+              <a:rPr lang="en-US"/>
               <a:t>Click to edit Master title style</a:t>
             </a:r>
             <a:endParaRPr lang="en-US" dirty="0"/>
@@ -1719,7 +1734,7 @@
           <a:p>
             <a:pPr lvl="0"/>
             <a:r>
-              <a:rPr lang="en-US" smtClean="0"/>
+              <a:rPr lang="en-US"/>
               <a:t>Click to edit Master text styles</a:t>
             </a:r>
           </a:p>
@@ -1790,7 +1805,7 @@
           <a:p>
             <a:pPr lvl="0"/>
             <a:r>
-              <a:rPr lang="en-US" smtClean="0"/>
+              <a:rPr lang="en-US"/>
               <a:t>Click to edit Master text styles</a:t>
             </a:r>
           </a:p>
@@ -1814,7 +1829,7 @@
             <a:fld id="{84DB246E-8FD1-42FF-94A4-E4133095C37A}" type="datetime1">
               <a:rPr lang="en-US" smtClean="0"/>
               <a:pPr/>
-              <a:t>2/5/18</a:t>
+              <a:t>2/6/2018</a:t>
             </a:fld>
             <a:endParaRPr lang="en-US"/>
           </a:p>
@@ -1909,7 +1924,7 @@
           <a:lstStyle/>
           <a:p>
             <a:r>
-              <a:rPr lang="en-US" smtClean="0"/>
+              <a:rPr lang="en-US"/>
               <a:t>Click to edit Master title style</a:t>
             </a:r>
             <a:endParaRPr lang="en-US" dirty="0"/>
@@ -1934,7 +1949,7 @@
             <a:fld id="{A93939D4-B818-4372-B1EE-7CB6D5BBC74A}" type="datetime1">
               <a:rPr lang="en-US" smtClean="0"/>
               <a:pPr/>
-              <a:t>2/5/18</a:t>
+              <a:t>2/6/2018</a:t>
             </a:fld>
             <a:endParaRPr lang="en-US"/>
           </a:p>
@@ -2026,7 +2041,7 @@
             <a:fld id="{2F35E438-4D0D-4834-B658-A90420491D98}" type="datetime1">
               <a:rPr lang="en-US" smtClean="0"/>
               <a:pPr/>
-              <a:t>2/5/18</a:t>
+              <a:t>2/6/2018</a:t>
             </a:fld>
             <a:endParaRPr lang="en-US"/>
           </a:p>
@@ -2122,35 +2137,35 @@
           <a:p>
             <a:pPr lvl="0"/>
             <a:r>
-              <a:rPr lang="en-US" smtClean="0"/>
+              <a:rPr lang="en-US"/>
               <a:t>Click to edit Master text styles</a:t>
             </a:r>
           </a:p>
           <a:p>
             <a:pPr lvl="1"/>
             <a:r>
-              <a:rPr lang="en-US" smtClean="0"/>
+              <a:rPr lang="en-US"/>
               <a:t>Second level</a:t>
             </a:r>
           </a:p>
           <a:p>
             <a:pPr lvl="2"/>
             <a:r>
-              <a:rPr lang="en-US" smtClean="0"/>
+              <a:rPr lang="en-US"/>
               <a:t>Third level</a:t>
             </a:r>
           </a:p>
           <a:p>
             <a:pPr lvl="3"/>
             <a:r>
-              <a:rPr lang="en-US" smtClean="0"/>
+              <a:rPr lang="en-US"/>
               <a:t>Fourth level</a:t>
             </a:r>
           </a:p>
           <a:p>
             <a:pPr lvl="4"/>
             <a:r>
-              <a:rPr lang="en-US" smtClean="0"/>
+              <a:rPr lang="en-US"/>
               <a:t>Fifth level</a:t>
             </a:r>
             <a:endParaRPr lang="en-US" dirty="0"/>
@@ -2186,7 +2201,7 @@
           </a:lstStyle>
           <a:p>
             <a:r>
-              <a:rPr lang="en-US" smtClean="0"/>
+              <a:rPr lang="en-US"/>
               <a:t>Click to edit Master title style</a:t>
             </a:r>
             <a:endParaRPr lang="en-US" dirty="0"/>
@@ -2254,7 +2269,7 @@
           <a:p>
             <a:pPr lvl="0"/>
             <a:r>
-              <a:rPr lang="en-US" smtClean="0"/>
+              <a:rPr lang="en-US"/>
               <a:t>Click to edit Master text styles</a:t>
             </a:r>
           </a:p>
@@ -2278,7 +2293,7 @@
             <a:fld id="{76F8ADFA-7142-4015-85E6-1712F15FA709}" type="datetime1">
               <a:rPr lang="en-US" smtClean="0"/>
               <a:pPr/>
-              <a:t>2/5/18</a:t>
+              <a:t>2/6/2018</a:t>
             </a:fld>
             <a:endParaRPr lang="en-US"/>
           </a:p>
@@ -2405,7 +2420,7 @@
           </a:lstStyle>
           <a:p>
             <a:r>
-              <a:rPr lang="en-US" smtClean="0"/>
+              <a:rPr lang="en-US"/>
               <a:t>Click to edit Master title style</a:t>
             </a:r>
             <a:endParaRPr lang="en-US" dirty="0"/>
@@ -2704,7 +2719,7 @@
           </a:lstStyle>
           <a:p>
             <a:r>
-              <a:rPr lang="en-US" smtClean="0"/>
+              <a:rPr lang="en-US"/>
               <a:t>Drag picture to placeholder or click icon to add</a:t>
             </a:r>
             <a:endParaRPr lang="en-US" dirty="0"/>
@@ -2772,7 +2787,7 @@
           <a:p>
             <a:pPr lvl="0"/>
             <a:r>
-              <a:rPr lang="en-US" smtClean="0"/>
+              <a:rPr lang="en-US"/>
               <a:t>Click to edit Master text styles</a:t>
             </a:r>
           </a:p>
@@ -2796,7 +2811,7 @@
             <a:fld id="{34A581E0-D653-4D78-A48F-41D80498BC7E}" type="datetime1">
               <a:rPr lang="en-US" smtClean="0"/>
               <a:pPr/>
-              <a:t>2/5/18</a:t>
+              <a:t>2/6/2018</a:t>
             </a:fld>
             <a:endParaRPr lang="en-US"/>
           </a:p>
@@ -2925,7 +2940,7 @@
           <a:lstStyle/>
           <a:p>
             <a:r>
-              <a:rPr lang="en-US" smtClean="0"/>
+              <a:rPr lang="en-US"/>
               <a:t>Click to edit Master title style</a:t>
             </a:r>
             <a:endParaRPr lang="en-US" dirty="0"/>
@@ -2959,38 +2974,38 @@
           <a:p>
             <a:pPr lvl="0"/>
             <a:r>
-              <a:rPr lang="en-US" smtClean="0"/>
+              <a:rPr lang="en-US"/>
               <a:t>Click to edit Master text styles</a:t>
             </a:r>
           </a:p>
           <a:p>
             <a:pPr lvl="1"/>
             <a:r>
-              <a:rPr lang="en-US" smtClean="0"/>
+              <a:rPr lang="en-US"/>
               <a:t>Second level</a:t>
             </a:r>
           </a:p>
           <a:p>
             <a:pPr lvl="2"/>
             <a:r>
-              <a:rPr lang="en-US" smtClean="0"/>
+              <a:rPr lang="en-US"/>
               <a:t>Third level</a:t>
             </a:r>
           </a:p>
           <a:p>
             <a:pPr lvl="3"/>
             <a:r>
-              <a:rPr lang="en-US" smtClean="0"/>
+              <a:rPr lang="en-US"/>
               <a:t>Fourth level</a:t>
             </a:r>
           </a:p>
           <a:p>
             <a:pPr lvl="4"/>
             <a:r>
-              <a:rPr lang="en-US" smtClean="0"/>
+              <a:rPr lang="en-US"/>
               <a:t>Fifth level</a:t>
             </a:r>
-            <a:endParaRPr lang="en-US" dirty="0" smtClean="0"/>
+            <a:endParaRPr lang="en-US" dirty="0"/>
           </a:p>
         </p:txBody>
       </p:sp>
@@ -3028,7 +3043,7 @@
             <a:fld id="{8B3AFFF1-9C47-49F0-AE12-AF188F3F4E82}" type="datetime1">
               <a:rPr lang="en-US" smtClean="0"/>
               <a:pPr/>
-              <a:t>2/5/18</a:t>
+              <a:t>2/6/2018</a:t>
             </a:fld>
             <a:endParaRPr lang="en-US" dirty="0"/>
           </a:p>
@@ -3549,10 +3564,9 @@
           <a:lstStyle/>
           <a:p>
             <a:r>
-              <a:rPr lang="en-US" dirty="0" smtClean="0"/>
+              <a:rPr lang="en-US" dirty="0"/>
               <a:t>GUITAR BEGINNER COURSE : week 1</a:t>
             </a:r>
-            <a:endParaRPr lang="en-US" dirty="0"/>
           </a:p>
         </p:txBody>
       </p:sp>
@@ -3566,13 +3580,6 @@
   <p:clrMapOvr>
     <a:masterClrMapping/>
   </p:clrMapOvr>
-  <p:timing>
-    <p:tnLst>
-      <p:par>
-        <p:cTn xmlns:p14="http://schemas.microsoft.com/office/powerpoint/2010/main" id="1" dur="indefinite" restart="never" nodeType="tmRoot"/>
-      </p:par>
-    </p:tnLst>
-  </p:timing>
 </p:sld>
 </file>
 
@@ -3609,10 +3616,9 @@
           <a:lstStyle/>
           <a:p>
             <a:r>
-              <a:rPr lang="en-US" dirty="0" smtClean="0"/>
+              <a:rPr lang="en-US" dirty="0"/>
               <a:t>INTRODUCTION</a:t>
             </a:r>
-            <a:endParaRPr lang="en-US" dirty="0"/>
           </a:p>
         </p:txBody>
       </p:sp>
@@ -3648,13 +3654,6 @@
   <p:clrMapOvr>
     <a:masterClrMapping/>
   </p:clrMapOvr>
-  <p:timing>
-    <p:tnLst>
-      <p:par>
-        <p:cTn xmlns:p14="http://schemas.microsoft.com/office/powerpoint/2010/main" id="1" dur="indefinite" restart="never" nodeType="tmRoot"/>
-      </p:par>
-    </p:tnLst>
-  </p:timing>
 </p:sld>
 </file>
 
@@ -3691,8 +3690,12 @@
           <a:lstStyle/>
           <a:p>
             <a:r>
-              <a:rPr lang="en-US" dirty="0" smtClean="0"/>
-              <a:t>topics for the week</a:t>
+              <a:rPr lang="en-US" dirty="0"/>
+              <a:t>today’s </a:t>
+            </a:r>
+            <a:r>
+              <a:rPr lang="en-US" dirty="0" err="1"/>
+              <a:t>acitivity</a:t>
             </a:r>
             <a:endParaRPr lang="en-US" dirty="0"/>
           </a:p>
@@ -3713,53 +3716,53 @@
           <a:bodyPr/>
           <a:lstStyle/>
           <a:p>
-            <a:endParaRPr lang="en-US" dirty="0" smtClean="0"/>
-          </a:p>
-          <a:p>
-            <a:r>
-              <a:rPr lang="en-US" dirty="0" smtClean="0"/>
-              <a:t>BRIEF DESCRIPTION: ROLES OF GUITAR PLAYERS</a:t>
-            </a:r>
-          </a:p>
-          <a:p>
-            <a:r>
-              <a:rPr lang="en-US" dirty="0" smtClean="0"/>
+            <a:endParaRPr lang="en-US" dirty="0"/>
+          </a:p>
+          <a:p>
+            <a:r>
+              <a:rPr lang="en-US" dirty="0"/>
+              <a:t>ROLES OF GUITAR PLAYERS</a:t>
+            </a:r>
+          </a:p>
+          <a:p>
+            <a:r>
+              <a:rPr lang="en-US" dirty="0"/>
               <a:t>GUITAR PARTS</a:t>
             </a:r>
           </a:p>
           <a:p>
             <a:r>
-              <a:rPr lang="en-US" dirty="0" smtClean="0"/>
+              <a:rPr lang="en-US" dirty="0"/>
               <a:t>TUNING</a:t>
             </a:r>
           </a:p>
           <a:p>
             <a:r>
-              <a:rPr lang="en-US" dirty="0" smtClean="0"/>
+              <a:rPr lang="en-US" dirty="0"/>
               <a:t>LETTER NOTATION</a:t>
             </a:r>
           </a:p>
           <a:p>
             <a:r>
-              <a:rPr lang="en-US" dirty="0" smtClean="0"/>
+              <a:rPr lang="en-US" dirty="0"/>
               <a:t>FRETBOARD NOTES</a:t>
             </a:r>
           </a:p>
           <a:p>
             <a:r>
-              <a:rPr lang="en-US" dirty="0" smtClean="0"/>
+              <a:rPr lang="en-US" dirty="0"/>
               <a:t>BASIC STRUMMING: 4 COUNTS AND 2 COUNTS</a:t>
             </a:r>
           </a:p>
           <a:p>
             <a:r>
-              <a:rPr lang="en-US" dirty="0" smtClean="0"/>
+              <a:rPr lang="en-US" dirty="0"/>
               <a:t>YOUR FIRST CHORDS: C A G E D</a:t>
             </a:r>
           </a:p>
           <a:p>
             <a:r>
-              <a:rPr lang="en-US" dirty="0" smtClean="0"/>
+              <a:rPr lang="en-US" dirty="0"/>
               <a:t>YOUR FIRST SONG: LORD I LIFT YOUR NAME ON HIGH</a:t>
             </a:r>
           </a:p>
@@ -3778,13 +3781,6 @@
   <p:clrMapOvr>
     <a:masterClrMapping/>
   </p:clrMapOvr>
-  <p:timing>
-    <p:tnLst>
-      <p:par>
-        <p:cTn xmlns:p14="http://schemas.microsoft.com/office/powerpoint/2010/main" id="1" dur="indefinite" restart="never" nodeType="tmRoot"/>
-      </p:par>
-    </p:tnLst>
-  </p:timing>
 </p:sld>
 </file>
 
@@ -3821,10 +3817,9 @@
           <a:lstStyle/>
           <a:p>
             <a:r>
-              <a:rPr lang="en-US" dirty="0" smtClean="0"/>
+              <a:rPr lang="en-US" dirty="0"/>
               <a:t>Types and role of guitar players</a:t>
             </a:r>
-            <a:endParaRPr lang="en-US" dirty="0"/>
           </a:p>
         </p:txBody>
       </p:sp>
@@ -3857,13 +3852,6 @@
   <p:clrMapOvr>
     <a:masterClrMapping/>
   </p:clrMapOvr>
-  <p:timing>
-    <p:tnLst>
-      <p:par>
-        <p:cTn xmlns:p14="http://schemas.microsoft.com/office/powerpoint/2010/main" id="1" dur="indefinite" restart="never" nodeType="tmRoot"/>
-      </p:par>
-    </p:tnLst>
-  </p:timing>
 </p:sld>
 </file>
 
@@ -3900,10 +3888,9 @@
           <a:lstStyle/>
           <a:p>
             <a:r>
-              <a:rPr lang="en-US" dirty="0" smtClean="0"/>
+              <a:rPr lang="en-US" dirty="0"/>
               <a:t>Guitar parts: acoustic</a:t>
             </a:r>
-            <a:endParaRPr lang="en-US" dirty="0"/>
           </a:p>
         </p:txBody>
       </p:sp>
@@ -3947,13 +3934,6 @@
   <p:clrMapOvr>
     <a:masterClrMapping/>
   </p:clrMapOvr>
-  <p:timing>
-    <p:tnLst>
-      <p:par>
-        <p:cTn xmlns:p14="http://schemas.microsoft.com/office/powerpoint/2010/main" id="1" dur="indefinite" restart="never" nodeType="tmRoot"/>
-      </p:par>
-    </p:tnLst>
-  </p:timing>
 </p:sld>
 </file>
 
@@ -3990,10 +3970,9 @@
           <a:lstStyle/>
           <a:p>
             <a:r>
-              <a:rPr lang="en-US" dirty="0" smtClean="0"/>
+              <a:rPr lang="en-US" dirty="0"/>
               <a:t>Guitar parts: electric</a:t>
             </a:r>
-            <a:endParaRPr lang="en-US" dirty="0"/>
           </a:p>
         </p:txBody>
       </p:sp>
@@ -4037,13 +4016,6 @@
   <p:clrMapOvr>
     <a:masterClrMapping/>
   </p:clrMapOvr>
-  <p:timing>
-    <p:tnLst>
-      <p:par>
-        <p:cTn xmlns:p14="http://schemas.microsoft.com/office/powerpoint/2010/main" id="1" dur="indefinite" restart="never" nodeType="tmRoot"/>
-      </p:par>
-    </p:tnLst>
-  </p:timing>
 </p:sld>
 </file>
 
@@ -4080,10 +4052,9 @@
           <a:lstStyle/>
           <a:p>
             <a:r>
-              <a:rPr lang="en-US" dirty="0" smtClean="0"/>
+              <a:rPr lang="en-US" dirty="0"/>
               <a:t>tuning</a:t>
             </a:r>
-            <a:endParaRPr lang="en-US" dirty="0"/>
           </a:p>
         </p:txBody>
       </p:sp>
@@ -4116,13 +4087,6 @@
   <p:clrMapOvr>
     <a:masterClrMapping/>
   </p:clrMapOvr>
-  <p:timing>
-    <p:tnLst>
-      <p:par>
-        <p:cTn xmlns:p14="http://schemas.microsoft.com/office/powerpoint/2010/main" id="1" dur="indefinite" restart="never" nodeType="tmRoot"/>
-      </p:par>
-    </p:tnLst>
-  </p:timing>
 </p:sld>
 </file>
 
@@ -4145,6 +4109,127 @@
       </p:grpSpPr>
       <p:sp>
         <p:nvSpPr>
+          <p:cNvPr id="2" name="Title 1">
+            <a:extLst>
+              <a:ext uri="{FF2B5EF4-FFF2-40B4-BE49-F238E27FC236}">
+                <a16:creationId xmlns:a16="http://schemas.microsoft.com/office/drawing/2014/main" id="{7869E708-A3A1-4DA8-BFA8-8AB3DC8871B1}"/>
+              </a:ext>
+            </a:extLst>
+          </p:cNvPr>
+          <p:cNvSpPr>
+            <a:spLocks noGrp="1"/>
+          </p:cNvSpPr>
+          <p:nvPr>
+            <p:ph type="title"/>
+          </p:nvPr>
+        </p:nvSpPr>
+        <p:spPr/>
+        <p:txBody>
+          <a:bodyPr/>
+          <a:lstStyle/>
+          <a:p>
+            <a:r>
+              <a:rPr lang="en-US" dirty="0"/>
+              <a:t>Letter notation</a:t>
+            </a:r>
+          </a:p>
+        </p:txBody>
+      </p:sp>
+      <p:sp>
+        <p:nvSpPr>
+          <p:cNvPr id="3" name="Content Placeholder 2">
+            <a:extLst>
+              <a:ext uri="{FF2B5EF4-FFF2-40B4-BE49-F238E27FC236}">
+                <a16:creationId xmlns:a16="http://schemas.microsoft.com/office/drawing/2014/main" id="{B947EC02-A258-492A-91F7-EF7C64C7FBC8}"/>
+              </a:ext>
+            </a:extLst>
+          </p:cNvPr>
+          <p:cNvSpPr>
+            <a:spLocks noGrp="1"/>
+          </p:cNvSpPr>
+          <p:nvPr>
+            <p:ph sz="quarter" idx="13"/>
+          </p:nvPr>
+        </p:nvSpPr>
+        <p:spPr/>
+        <p:txBody>
+          <a:bodyPr/>
+          <a:lstStyle/>
+          <a:p>
+            <a:r>
+              <a:rPr lang="en-US" dirty="0"/>
+              <a:t>System of representing a set of pitches by letters</a:t>
+            </a:r>
+          </a:p>
+          <a:p>
+            <a:r>
+              <a:rPr lang="en-US" dirty="0"/>
+              <a:t>There are 12 semitones in a western music (the most common </a:t>
+            </a:r>
+          </a:p>
+          <a:p>
+            <a:endParaRPr lang="en-US" dirty="0"/>
+          </a:p>
+          <a:p>
+            <a:pPr lvl="1"/>
+            <a:r>
+              <a:rPr lang="en-US" dirty="0"/>
+              <a:t>A – B – C – D – E – F – G</a:t>
+            </a:r>
+          </a:p>
+          <a:p>
+            <a:pPr lvl="1"/>
+            <a:endParaRPr lang="en-US" dirty="0"/>
+          </a:p>
+          <a:p>
+            <a:pPr lvl="1"/>
+            <a:r>
+              <a:rPr lang="en-US" dirty="0"/>
+              <a:t>Advantage : Easy to remember / memorize</a:t>
+            </a:r>
+          </a:p>
+          <a:p>
+            <a:pPr lvl="1"/>
+            <a:endParaRPr lang="en-US" dirty="0"/>
+          </a:p>
+          <a:p>
+            <a:pPr lvl="1"/>
+            <a:endParaRPr lang="en-US" dirty="0"/>
+          </a:p>
+        </p:txBody>
+      </p:sp>
+    </p:spTree>
+    <p:extLst>
+      <p:ext uri="{BB962C8B-B14F-4D97-AF65-F5344CB8AC3E}">
+        <p14:creationId xmlns:p14="http://schemas.microsoft.com/office/powerpoint/2010/main" val="3417858447"/>
+      </p:ext>
+    </p:extLst>
+  </p:cSld>
+  <p:clrMapOvr>
+    <a:masterClrMapping/>
+  </p:clrMapOvr>
+</p:sld>
+</file>
+
+<file path=ppt/slides/slide9.xml><?xml version="1.0" encoding="utf-8"?>
+<p:sld xmlns:a="http://schemas.openxmlformats.org/drawingml/2006/main" xmlns:r="http://schemas.openxmlformats.org/officeDocument/2006/relationships" xmlns:p="http://schemas.openxmlformats.org/presentationml/2006/main">
+  <p:cSld>
+    <p:spTree>
+      <p:nvGrpSpPr>
+        <p:cNvPr id="1" name=""/>
+        <p:cNvGrpSpPr/>
+        <p:nvPr/>
+      </p:nvGrpSpPr>
+      <p:grpSpPr>
+        <a:xfrm>
+          <a:off x="0" y="0"/>
+          <a:ext cx="0" cy="0"/>
+          <a:chOff x="0" y="0"/>
+          <a:chExt cx="0" cy="0"/>
+        </a:xfrm>
+      </p:grpSpPr>
+      <p:sp>
+        <p:nvSpPr>
           <p:cNvPr id="2" name="Title 1"/>
           <p:cNvSpPr>
             <a:spLocks noGrp="1"/>
@@ -4159,10 +4244,9 @@
           <a:lstStyle/>
           <a:p>
             <a:r>
-              <a:rPr lang="en-US" dirty="0" smtClean="0"/>
+              <a:rPr lang="en-US" dirty="0"/>
               <a:t>FRETBOARD NOTES</a:t>
             </a:r>
-            <a:endParaRPr lang="en-US" dirty="0"/>
           </a:p>
         </p:txBody>
       </p:sp>
@@ -4175,7 +4259,7 @@
           <p:nvPr/>
         </p:nvPicPr>
         <p:blipFill>
-          <a:blip r:embed="rId2" cstate="print">
+          <a:blip r:embed="rId2" cstate="email">
             <a:extLst>
               <a:ext uri="{28A0092B-C50C-407E-A947-70E740481C1C}">
                 <a14:useLocalDpi xmlns:a14="http://schemas.microsoft.com/office/drawing/2010/main" val="0"/>
